--- a/Datas/미니프로젝트 개발발표.pptx
+++ b/Datas/미니프로젝트 개발발표.pptx
@@ -110,6 +110,11 @@
       </a:defRPr>
     </a:lvl9pPr>
   </p:defaultTextStyle>
+  <p:extLst>
+    <p:ext uri="{EFAFB233-063F-42B5-8137-9DF3F51BA10A}">
+      <p15:sldGuideLst xmlns:p15="http://schemas.microsoft.com/office/powerpoint/2012/main"/>
+    </p:ext>
+  </p:extLst>
 </p:presentation>
 </file>
 
@@ -4203,15 +4208,11 @@
             </a:r>
             <a:r>
               <a:rPr lang="en-US" altLang="ko-KR" dirty="0"/>
-              <a:t>– Retrofit</a:t>
-            </a:r>
-            <a:r>
-              <a:rPr lang="ko-KR" altLang="en-US" dirty="0"/>
-              <a:t> </a:t>
-            </a:r>
-            <a:r>
-              <a:rPr lang="en-US" altLang="ko-KR" dirty="0"/>
-              <a:t>API</a:t>
+              <a:t>– </a:t>
+            </a:r>
+            <a:r>
+              <a:rPr lang="en-US" altLang="ko-KR" dirty="0" smtClean="0"/>
+              <a:t>Retrofit</a:t>
             </a:r>
             <a:endParaRPr lang="ko-KR" altLang="en-US" dirty="0"/>
           </a:p>
@@ -4231,7 +4232,7 @@
         </p:nvSpPr>
         <p:spPr>
           <a:xfrm>
-            <a:off x="1912248" y="3618443"/>
+            <a:off x="2122952" y="2089714"/>
             <a:ext cx="3118161" cy="738664"/>
           </a:xfrm>
           <a:prstGeom prst="rect">
@@ -4301,8 +4302,8 @@
         </p:blipFill>
         <p:spPr>
           <a:xfrm>
-            <a:off x="6591002" y="3149313"/>
-            <a:ext cx="3957415" cy="2569367"/>
+            <a:off x="4958798" y="2089714"/>
+            <a:ext cx="7129528" cy="4628874"/>
           </a:xfrm>
           <a:prstGeom prst="rect">
             <a:avLst/>
@@ -4323,7 +4324,7 @@
         </p:nvSpPr>
         <p:spPr>
           <a:xfrm>
-            <a:off x="7828872" y="2375907"/>
+            <a:off x="8152963" y="1291699"/>
             <a:ext cx="3118161" cy="577081"/>
           </a:xfrm>
           <a:prstGeom prst="rect">
@@ -4375,7 +4376,7 @@
         </p:nvSpPr>
         <p:spPr>
           <a:xfrm>
-            <a:off x="6096000" y="2459046"/>
+            <a:off x="5933955" y="1613201"/>
             <a:ext cx="1399870" cy="276999"/>
           </a:xfrm>
           <a:prstGeom prst="rect">
@@ -4410,7 +4411,7 @@
         </p:nvSpPr>
         <p:spPr>
           <a:xfrm>
-            <a:off x="717220" y="3910867"/>
+            <a:off x="717220" y="2328241"/>
             <a:ext cx="1072730" cy="261610"/>
           </a:xfrm>
           <a:prstGeom prst="rect">
@@ -4483,8 +4484,8 @@
         </p:blipFill>
         <p:spPr>
           <a:xfrm>
-            <a:off x="8365066" y="3725333"/>
-            <a:ext cx="2837414" cy="2988733"/>
+            <a:off x="7176303" y="3596689"/>
+            <a:ext cx="3794683" cy="3997053"/>
           </a:xfrm>
           <a:prstGeom prst="rect">
             <a:avLst/>
@@ -4523,15 +4524,11 @@
             </a:r>
             <a:r>
               <a:rPr lang="en-US" altLang="ko-KR" dirty="0"/>
-              <a:t>– Retrofit</a:t>
-            </a:r>
-            <a:r>
-              <a:rPr lang="ko-KR" altLang="en-US" dirty="0"/>
-              <a:t> </a:t>
-            </a:r>
-            <a:r>
-              <a:rPr lang="en-US" altLang="ko-KR" dirty="0"/>
-              <a:t>API</a:t>
+              <a:t>– </a:t>
+            </a:r>
+            <a:r>
+              <a:rPr lang="en-US" altLang="ko-KR" dirty="0" smtClean="0"/>
+              <a:t>Retrofit</a:t>
             </a:r>
             <a:endParaRPr lang="ko-KR" altLang="en-US" dirty="0"/>
           </a:p>
@@ -4559,8 +4556,8 @@
         </p:blipFill>
         <p:spPr>
           <a:xfrm>
-            <a:off x="1116520" y="2715894"/>
-            <a:ext cx="2837413" cy="3093446"/>
+            <a:off x="231494" y="1461927"/>
+            <a:ext cx="6347481" cy="6920244"/>
           </a:xfrm>
           <a:prstGeom prst="rect">
             <a:avLst/>
@@ -4581,7 +4578,7 @@
         </p:nvSpPr>
         <p:spPr>
           <a:xfrm>
-            <a:off x="907153" y="2244540"/>
+            <a:off x="1428014" y="1920449"/>
             <a:ext cx="3256148" cy="276999"/>
           </a:xfrm>
           <a:prstGeom prst="rect">
@@ -5418,7 +5415,7 @@
         </p:nvSpPr>
         <p:spPr>
           <a:xfrm flipH="1">
-            <a:off x="1315318" y="1925090"/>
+            <a:off x="1179688" y="1925090"/>
             <a:ext cx="3431822" cy="646331"/>
           </a:xfrm>
           <a:prstGeom prst="rect">
